--- a/系统仿真-10- 正反馈和路径依赖（编写中）.pptx
+++ b/系统仿真-10- 正反馈和路径依赖（编写中）.pptx
@@ -5,10 +5,10 @@
     <p:sldMasterId id="2147483648" r:id="rId8"/>
   </p:sldMasterIdLst>
   <p:notesMasterIdLst>
-    <p:notesMasterId r:id="rId24"/>
+    <p:notesMasterId r:id="rId23"/>
   </p:notesMasterIdLst>
   <p:handoutMasterIdLst>
-    <p:handoutMasterId r:id="rId25"/>
+    <p:handoutMasterId r:id="rId24"/>
   </p:handoutMasterIdLst>
   <p:sldIdLst>
     <p:sldId id="256" r:id="rId9"/>
@@ -17,15 +17,14 @@
     <p:sldId id="270" r:id="rId12"/>
     <p:sldId id="271" r:id="rId13"/>
     <p:sldId id="272" r:id="rId14"/>
-    <p:sldId id="263" r:id="rId15"/>
-    <p:sldId id="257" r:id="rId16"/>
-    <p:sldId id="258" r:id="rId17"/>
-    <p:sldId id="264" r:id="rId18"/>
-    <p:sldId id="259" r:id="rId19"/>
-    <p:sldId id="260" r:id="rId20"/>
-    <p:sldId id="266" r:id="rId21"/>
-    <p:sldId id="262" r:id="rId22"/>
-    <p:sldId id="261" r:id="rId23"/>
+    <p:sldId id="257" r:id="rId15"/>
+    <p:sldId id="259" r:id="rId16"/>
+    <p:sldId id="260" r:id="rId17"/>
+    <p:sldId id="266" r:id="rId18"/>
+    <p:sldId id="262" r:id="rId19"/>
+    <p:sldId id="261" r:id="rId20"/>
+    <p:sldId id="258" r:id="rId21"/>
+    <p:sldId id="263" r:id="rId22"/>
   </p:sldIdLst>
   <p:sldSz cx="12188825" cy="6858000"/>
   <p:notesSz cx="6858000" cy="9144000"/>
@@ -252,7 +251,7 @@
                 <a:latin typeface="微软雅黑" panose="020B0503020204020204" pitchFamily="34" charset="-122"/>
                 <a:ea typeface="微软雅黑" panose="020B0503020204020204" pitchFamily="34" charset="-122"/>
               </a:rPr>
-              <a:t>2019年4月13日 Saturday</a:t>
+              <a:t>2019年4月14日 Sunday</a:t>
             </a:fld>
             <a:endParaRPr lang="zh-CN" altLang="en-US" dirty="0">
               <a:latin typeface="微软雅黑" panose="020B0503020204020204" pitchFamily="34" charset="-122"/>
@@ -444,7 +443,7 @@
             <a:fld id="{07D6BDDC-F39A-4E16-93D6-E40B88AA6D58}" type="datetime2">
               <a:rPr lang="zh-CN" altLang="en-US" smtClean="0"/>
               <a:pPr/>
-              <a:t>2019年4月13日 Saturday</a:t>
+              <a:t>2019年4月14日 Sunday</a:t>
             </a:fld>
             <a:endParaRPr lang="zh-CN" altLang="en-US" dirty="0"/>
           </a:p>
@@ -1762,7 +1761,7 @@
             <a:fld id="{4947C3F0-2957-4D41-9FB7-182757A04D67}" type="datetime2">
               <a:rPr lang="zh-CN" altLang="en-US" smtClean="0"/>
               <a:pPr/>
-              <a:t>2019年4月13日 Saturday</a:t>
+              <a:t>2019年4月14日 Sunday</a:t>
             </a:fld>
             <a:endParaRPr lang="zh-CN" altLang="en-US" dirty="0"/>
           </a:p>
@@ -1995,7 +1994,7 @@
             <a:fld id="{8DF8E148-EC1F-43A2-8C9E-1F57F6D08A76}" type="datetime2">
               <a:rPr lang="zh-CN" altLang="en-US" smtClean="0"/>
               <a:pPr/>
-              <a:t>2019年4月13日 Saturday</a:t>
+              <a:t>2019年4月14日 Sunday</a:t>
             </a:fld>
             <a:endParaRPr lang="zh-CN" altLang="en-US" dirty="0"/>
           </a:p>
@@ -2878,7 +2877,7 @@
             <a:fld id="{FB7B4C11-1E14-4887-9E78-A9346EC068F1}" type="datetime2">
               <a:rPr lang="zh-CN" altLang="en-US" smtClean="0"/>
               <a:pPr/>
-              <a:t>2019年4月13日 Saturday</a:t>
+              <a:t>2019年4月14日 Sunday</a:t>
             </a:fld>
             <a:endParaRPr lang="zh-CN" altLang="en-US" dirty="0"/>
           </a:p>
@@ -3137,7 +3136,7 @@
             <a:fld id="{86FD5D46-E987-42B2-B42C-B8920598FADE}" type="datetime2">
               <a:rPr lang="zh-CN" altLang="en-US" smtClean="0"/>
               <a:pPr/>
-              <a:t>2019年4月13日 Saturday</a:t>
+              <a:t>2019年4月14日 Sunday</a:t>
             </a:fld>
             <a:endParaRPr lang="zh-CN" altLang="en-US" dirty="0"/>
           </a:p>
@@ -4464,7 +4463,7 @@
             <a:fld id="{8365F240-A7EF-41C8-A85B-C448CF84B5E5}" type="datetime2">
               <a:rPr lang="zh-CN" altLang="en-US" smtClean="0"/>
               <a:pPr/>
-              <a:t>2019年4月13日 Saturday</a:t>
+              <a:t>2019年4月14日 Sunday</a:t>
             </a:fld>
             <a:endParaRPr lang="zh-CN" altLang="en-US" dirty="0"/>
           </a:p>
@@ -4799,7 +4798,7 @@
             <a:fld id="{F770B30E-8728-44DB-AEE3-E4A75AEDBBD9}" type="datetime2">
               <a:rPr lang="zh-CN" altLang="en-US" smtClean="0"/>
               <a:pPr/>
-              <a:t>2019年4月13日 Saturday</a:t>
+              <a:t>2019年4月14日 Sunday</a:t>
             </a:fld>
             <a:endParaRPr lang="zh-CN" altLang="en-US" dirty="0"/>
           </a:p>
@@ -5300,7 +5299,7 @@
             <a:fld id="{680BCF82-A51A-4389-A573-378AD02C5141}" type="datetime2">
               <a:rPr lang="zh-CN" altLang="en-US" smtClean="0"/>
               <a:pPr/>
-              <a:t>2019年4月13日 Saturday</a:t>
+              <a:t>2019年4月14日 Sunday</a:t>
             </a:fld>
             <a:endParaRPr lang="zh-CN" altLang="en-US" dirty="0"/>
           </a:p>
@@ -5455,7 +5454,7 @@
             <a:fld id="{CE03A716-E3DC-4D9D-823C-60FCD8C9B163}" type="datetime2">
               <a:rPr lang="zh-CN" altLang="en-US" smtClean="0"/>
               <a:pPr/>
-              <a:t>2019年4月13日 Saturday</a:t>
+              <a:t>2019年4月14日 Sunday</a:t>
             </a:fld>
             <a:endParaRPr lang="zh-CN" altLang="en-US" dirty="0"/>
           </a:p>
@@ -5815,7 +5814,7 @@
             <a:fld id="{C16B8A94-44E5-4844-A22C-F796FCAA90D9}" type="datetime2">
               <a:rPr lang="zh-CN" altLang="en-US" smtClean="0"/>
               <a:pPr/>
-              <a:t>2019年4月13日 Saturday</a:t>
+              <a:t>2019年4月14日 Sunday</a:t>
             </a:fld>
             <a:endParaRPr lang="zh-CN" altLang="en-US" dirty="0"/>
           </a:p>
@@ -6357,7 +6356,7 @@
             <a:fld id="{F288B2AC-AC0A-4E49-82A3-94EE74FA7FBF}" type="datetime2">
               <a:rPr lang="zh-CN" altLang="en-US" smtClean="0"/>
               <a:pPr/>
-              <a:t>2019年4月13日 Saturday</a:t>
+              <a:t>2019年4月14日 Sunday</a:t>
             </a:fld>
             <a:endParaRPr lang="zh-CN" altLang="en-US" dirty="0"/>
           </a:p>
@@ -6843,7 +6842,7 @@
             <a:fld id="{1878E339-1BD2-4FEE-A113-9A0301740CF6}" type="datetime2">
               <a:rPr lang="zh-CN" altLang="en-US" smtClean="0"/>
               <a:pPr/>
-              <a:t>2019年4月13日 Saturday</a:t>
+              <a:t>2019年4月14日 Sunday</a:t>
             </a:fld>
             <a:endParaRPr lang="zh-CN" altLang="en-US" dirty="0"/>
           </a:p>
@@ -7767,7 +7766,7 @@
             <a:fld id="{A339CB27-C670-4AAB-948C-7E3D1D9FAE30}" type="datetime2">
               <a:rPr lang="zh-CN" altLang="en-US" smtClean="0"/>
               <a:pPr/>
-              <a:t>2019年4月13日 Saturday</a:t>
+              <a:t>2019年4月14日 Sunday</a:t>
             </a:fld>
             <a:endParaRPr lang="zh-CN" altLang="en-US" dirty="0"/>
           </a:p>
@@ -8303,296 +8302,6 @@
           <a:chExt cx="0" cy="0"/>
         </a:xfrm>
       </p:grpSpPr>
-      <p:sp>
-        <p:nvSpPr>
-          <p:cNvPr id="2" name="标题 1"/>
-          <p:cNvSpPr>
-            <a:spLocks noGrp="1"/>
-          </p:cNvSpPr>
-          <p:nvPr>
-            <p:ph type="title"/>
-          </p:nvPr>
-        </p:nvSpPr>
-        <p:spPr/>
-        <p:txBody>
-          <a:bodyPr/>
-          <a:lstStyle/>
-          <a:p>
-            <a:r>
-              <a:rPr lang="zh-CN" altLang="en-US" dirty="0"/>
-              <a:t>系统状态的“锁定”</a:t>
-            </a:r>
-          </a:p>
-        </p:txBody>
-      </p:sp>
-      <p:sp>
-        <p:nvSpPr>
-          <p:cNvPr id="3" name="内容占位符 2"/>
-          <p:cNvSpPr>
-            <a:spLocks noGrp="1"/>
-          </p:cNvSpPr>
-          <p:nvPr>
-            <p:ph idx="1"/>
-          </p:nvPr>
-        </p:nvSpPr>
-        <p:spPr/>
-        <p:txBody>
-          <a:bodyPr/>
-          <a:lstStyle/>
-          <a:p>
-            <a:r>
-              <a:rPr lang="zh-CN" altLang="en-US" dirty="0"/>
-              <a:t>一个多世纪以来，人们都在使用</a:t>
-            </a:r>
-            <a:r>
-              <a:rPr lang="en-US" altLang="zh-CN" dirty="0"/>
-              <a:t>QWERTY</a:t>
-            </a:r>
-            <a:r>
-              <a:rPr lang="zh-CN" altLang="en-US" dirty="0"/>
-              <a:t>布局的键盘，而非按字母表顺序排序。路径依赖可否改变？</a:t>
-            </a:r>
-            <a:endParaRPr lang="en-US" altLang="zh-CN" dirty="0"/>
-          </a:p>
-          <a:p>
-            <a:r>
-              <a:rPr lang="zh-CN" altLang="en-US" dirty="0"/>
-              <a:t>一旦系统达到新的平衡，系统中的参与者需要付出巨大的代价逆转目前的平衡局面，在多参与者组成的系统中，系统越接近平衡，逆转系统新平衡状态的难度越大，从而形成所谓的“锁定”</a:t>
-            </a:r>
-          </a:p>
-        </p:txBody>
-      </p:sp>
-    </p:spTree>
-    <p:extLst>
-      <p:ext uri="{BB962C8B-B14F-4D97-AF65-F5344CB8AC3E}">
-        <p14:creationId xmlns:p14="http://schemas.microsoft.com/office/powerpoint/2010/main" val="2612170469"/>
-      </p:ext>
-    </p:extLst>
-  </p:cSld>
-  <p:clrMapOvr>
-    <a:masterClrMapping/>
-  </p:clrMapOvr>
-  <mc:AlternateContent xmlns:mc="http://schemas.openxmlformats.org/markup-compatibility/2006" xmlns:p14="http://schemas.microsoft.com/office/powerpoint/2010/main">
-    <mc:Choice Requires="p14">
-      <p:transition spd="med" p14:dur="700">
-        <p:fade/>
-      </p:transition>
-    </mc:Choice>
-    <mc:Fallback xmlns="">
-      <p:transition spd="med">
-        <p:fade/>
-      </p:transition>
-    </mc:Fallback>
-  </mc:AlternateContent>
-</p:sld>
-</file>
-
-<file path=ppt/slides/slide11.xml><?xml version="1.0" encoding="utf-8"?>
-<p:sld xmlns:a="http://schemas.openxmlformats.org/drawingml/2006/main" xmlns:r="http://schemas.openxmlformats.org/officeDocument/2006/relationships" xmlns:p="http://schemas.openxmlformats.org/presentationml/2006/main">
-  <p:cSld>
-    <p:spTree>
-      <p:nvGrpSpPr>
-        <p:cNvPr id="1" name=""/>
-        <p:cNvGrpSpPr/>
-        <p:nvPr/>
-      </p:nvGrpSpPr>
-      <p:grpSpPr>
-        <a:xfrm>
-          <a:off x="0" y="0"/>
-          <a:ext cx="0" cy="0"/>
-          <a:chOff x="0" y="0"/>
-          <a:chExt cx="0" cy="0"/>
-        </a:xfrm>
-      </p:grpSpPr>
-      <p:sp>
-        <p:nvSpPr>
-          <p:cNvPr id="2" name="标题 1"/>
-          <p:cNvSpPr>
-            <a:spLocks noGrp="1"/>
-          </p:cNvSpPr>
-          <p:nvPr>
-            <p:ph type="title"/>
-          </p:nvPr>
-        </p:nvSpPr>
-        <p:spPr/>
-        <p:txBody>
-          <a:bodyPr/>
-          <a:lstStyle/>
-          <a:p>
-            <a:r>
-              <a:rPr lang="en-US" altLang="zh-CN" dirty="0"/>
-              <a:t>POLYA</a:t>
-            </a:r>
-            <a:r>
-              <a:rPr lang="zh-CN" altLang="en-US" dirty="0"/>
-              <a:t>实验</a:t>
-            </a:r>
-          </a:p>
-        </p:txBody>
-      </p:sp>
-      <p:sp>
-        <p:nvSpPr>
-          <p:cNvPr id="3" name="内容占位符 2"/>
-          <p:cNvSpPr>
-            <a:spLocks noGrp="1"/>
-          </p:cNvSpPr>
-          <p:nvPr>
-            <p:ph idx="1"/>
-          </p:nvPr>
-        </p:nvSpPr>
-        <p:spPr/>
-        <p:txBody>
-          <a:bodyPr/>
-          <a:lstStyle/>
-          <a:p>
-            <a:pPr marL="0" indent="0">
-              <a:buNone/>
-            </a:pPr>
-            <a:r>
-              <a:rPr lang="zh-CN" altLang="en-US" dirty="0"/>
-              <a:t>情景描述：往罐子里装石头，有黑色和白色两种石头，每次选择一种颜色的石头放进去。每次向罐子里放什么颜色的石头时随机的，下一次放入白色或黑色石头的概率等于当前该颜色石头在罐子里的比例，这种机制促成了路径依赖现象的形成。</a:t>
-            </a:r>
-            <a:endParaRPr lang="en-US" altLang="zh-CN" dirty="0"/>
-          </a:p>
-          <a:p>
-            <a:pPr marL="0" indent="0">
-              <a:buNone/>
-            </a:pPr>
-            <a:r>
-              <a:rPr lang="zh-CN" altLang="en-US" dirty="0"/>
-              <a:t>该系统的数学模型最早由</a:t>
-            </a:r>
-            <a:r>
-              <a:rPr lang="en-US" altLang="zh-CN" dirty="0"/>
-              <a:t>George </a:t>
-            </a:r>
-            <a:r>
-              <a:rPr lang="en-US" altLang="zh-CN" dirty="0" err="1"/>
-              <a:t>Polya</a:t>
-            </a:r>
-            <a:r>
-              <a:rPr lang="zh-CN" altLang="en-US" dirty="0"/>
-              <a:t>提出，因此成为</a:t>
-            </a:r>
-            <a:r>
-              <a:rPr lang="en-US" altLang="zh-CN" dirty="0" err="1"/>
-              <a:t>Polya</a:t>
-            </a:r>
-            <a:r>
-              <a:rPr lang="zh-CN" altLang="en-US" dirty="0"/>
-              <a:t>过程。</a:t>
-            </a:r>
-          </a:p>
-        </p:txBody>
-      </p:sp>
-    </p:spTree>
-    <p:extLst>
-      <p:ext uri="{BB962C8B-B14F-4D97-AF65-F5344CB8AC3E}">
-        <p14:creationId xmlns:p14="http://schemas.microsoft.com/office/powerpoint/2010/main" val="1792658596"/>
-      </p:ext>
-    </p:extLst>
-  </p:cSld>
-  <p:clrMapOvr>
-    <a:masterClrMapping/>
-  </p:clrMapOvr>
-  <mc:AlternateContent xmlns:mc="http://schemas.openxmlformats.org/markup-compatibility/2006" xmlns:p14="http://schemas.microsoft.com/office/powerpoint/2010/main">
-    <mc:Choice Requires="p14">
-      <p:transition spd="med" p14:dur="700">
-        <p:fade/>
-      </p:transition>
-    </mc:Choice>
-    <mc:Fallback xmlns="">
-      <p:transition spd="med">
-        <p:fade/>
-      </p:transition>
-    </mc:Fallback>
-  </mc:AlternateContent>
-</p:sld>
-</file>
-
-<file path=ppt/slides/slide12.xml><?xml version="1.0" encoding="utf-8"?>
-<p:sld xmlns:a="http://schemas.openxmlformats.org/drawingml/2006/main" xmlns:r="http://schemas.openxmlformats.org/officeDocument/2006/relationships" xmlns:p="http://schemas.openxmlformats.org/presentationml/2006/main">
-  <p:cSld>
-    <p:spTree>
-      <p:nvGrpSpPr>
-        <p:cNvPr id="1" name=""/>
-        <p:cNvGrpSpPr/>
-        <p:nvPr/>
-      </p:nvGrpSpPr>
-      <p:grpSpPr>
-        <a:xfrm>
-          <a:off x="0" y="0"/>
-          <a:ext cx="0" cy="0"/>
-          <a:chOff x="0" y="0"/>
-          <a:chExt cx="0" cy="0"/>
-        </a:xfrm>
-      </p:grpSpPr>
-      <p:pic>
-        <p:nvPicPr>
-          <p:cNvPr id="4" name="图片 3"/>
-          <p:cNvPicPr>
-            <a:picLocks noChangeAspect="1"/>
-          </p:cNvPicPr>
-          <p:nvPr/>
-        </p:nvPicPr>
-        <p:blipFill>
-          <a:blip r:embed="rId2"/>
-          <a:stretch>
-            <a:fillRect/>
-          </a:stretch>
-        </p:blipFill>
-        <p:spPr>
-          <a:xfrm>
-            <a:off x="2566020" y="332656"/>
-            <a:ext cx="7979298" cy="5609737"/>
-          </a:xfrm>
-          <a:prstGeom prst="rect">
-            <a:avLst/>
-          </a:prstGeom>
-        </p:spPr>
-      </p:pic>
-    </p:spTree>
-    <p:extLst>
-      <p:ext uri="{BB962C8B-B14F-4D97-AF65-F5344CB8AC3E}">
-        <p14:creationId xmlns:p14="http://schemas.microsoft.com/office/powerpoint/2010/main" val="3900310609"/>
-      </p:ext>
-    </p:extLst>
-  </p:cSld>
-  <p:clrMapOvr>
-    <a:masterClrMapping/>
-  </p:clrMapOvr>
-  <mc:AlternateContent xmlns:mc="http://schemas.openxmlformats.org/markup-compatibility/2006" xmlns:p14="http://schemas.microsoft.com/office/powerpoint/2010/main">
-    <mc:Choice Requires="p14">
-      <p:transition spd="med" p14:dur="700">
-        <p:fade/>
-      </p:transition>
-    </mc:Choice>
-    <mc:Fallback xmlns="">
-      <p:transition spd="med">
-        <p:fade/>
-      </p:transition>
-    </mc:Fallback>
-  </mc:AlternateContent>
-</p:sld>
-</file>
-
-<file path=ppt/slides/slide13.xml><?xml version="1.0" encoding="utf-8"?>
-<p:sld xmlns:a="http://schemas.openxmlformats.org/drawingml/2006/main" xmlns:r="http://schemas.openxmlformats.org/officeDocument/2006/relationships" xmlns:p="http://schemas.openxmlformats.org/presentationml/2006/main">
-  <p:cSld>
-    <p:spTree>
-      <p:nvGrpSpPr>
-        <p:cNvPr id="1" name=""/>
-        <p:cNvGrpSpPr/>
-        <p:nvPr/>
-      </p:nvGrpSpPr>
-      <p:grpSpPr>
-        <a:xfrm>
-          <a:off x="0" y="0"/>
-          <a:ext cx="0" cy="0"/>
-          <a:chOff x="0" y="0"/>
-          <a:chExt cx="0" cy="0"/>
-        </a:xfrm>
-      </p:grpSpPr>
       <p:pic>
         <p:nvPicPr>
           <p:cNvPr id="2" name="图片 1"/>
@@ -8879,7 +8588,7 @@
 </p:sld>
 </file>
 
-<file path=ppt/slides/slide14.xml><?xml version="1.0" encoding="utf-8"?>
+<file path=ppt/slides/slide11.xml><?xml version="1.0" encoding="utf-8"?>
 <p:sld xmlns:a="http://schemas.openxmlformats.org/drawingml/2006/main" xmlns:r="http://schemas.openxmlformats.org/officeDocument/2006/relationships" xmlns:p="http://schemas.openxmlformats.org/presentationml/2006/main">
   <p:cSld>
     <p:spTree>
@@ -9219,7 +8928,7 @@
 </p:sld>
 </file>
 
-<file path=ppt/slides/slide15.xml><?xml version="1.0" encoding="utf-8"?>
+<file path=ppt/slides/slide12.xml><?xml version="1.0" encoding="utf-8"?>
 <p:sld xmlns:a="http://schemas.openxmlformats.org/drawingml/2006/main" xmlns:r="http://schemas.openxmlformats.org/officeDocument/2006/relationships" xmlns:p="http://schemas.openxmlformats.org/presentationml/2006/main">
   <p:cSld>
     <p:spTree>
@@ -9378,6 +9087,314 @@
     <p:extLst>
       <p:ext uri="{BB962C8B-B14F-4D97-AF65-F5344CB8AC3E}">
         <p14:creationId xmlns:p14="http://schemas.microsoft.com/office/powerpoint/2010/main" val="2835021996"/>
+      </p:ext>
+    </p:extLst>
+  </p:cSld>
+  <p:clrMapOvr>
+    <a:masterClrMapping/>
+  </p:clrMapOvr>
+  <mc:AlternateContent xmlns:mc="http://schemas.openxmlformats.org/markup-compatibility/2006" xmlns:p14="http://schemas.microsoft.com/office/powerpoint/2010/main">
+    <mc:Choice Requires="p14">
+      <p:transition spd="med" p14:dur="700">
+        <p:fade/>
+      </p:transition>
+    </mc:Choice>
+    <mc:Fallback xmlns="">
+      <p:transition spd="med">
+        <p:fade/>
+      </p:transition>
+    </mc:Fallback>
+  </mc:AlternateContent>
+</p:sld>
+</file>
+
+<file path=ppt/slides/slide13.xml><?xml version="1.0" encoding="utf-8"?>
+<p:sld xmlns:a="http://schemas.openxmlformats.org/drawingml/2006/main" xmlns:r="http://schemas.openxmlformats.org/officeDocument/2006/relationships" xmlns:p="http://schemas.openxmlformats.org/presentationml/2006/main">
+  <p:cSld>
+    <p:spTree>
+      <p:nvGrpSpPr>
+        <p:cNvPr id="1" name=""/>
+        <p:cNvGrpSpPr/>
+        <p:nvPr/>
+      </p:nvGrpSpPr>
+      <p:grpSpPr>
+        <a:xfrm>
+          <a:off x="0" y="0"/>
+          <a:ext cx="0" cy="0"/>
+          <a:chOff x="0" y="0"/>
+          <a:chExt cx="0" cy="0"/>
+        </a:xfrm>
+      </p:grpSpPr>
+      <p:sp>
+        <p:nvSpPr>
+          <p:cNvPr id="2" name="标题 1"/>
+          <p:cNvSpPr>
+            <a:spLocks noGrp="1"/>
+          </p:cNvSpPr>
+          <p:nvPr>
+            <p:ph type="title"/>
+          </p:nvPr>
+        </p:nvSpPr>
+        <p:spPr/>
+        <p:txBody>
+          <a:bodyPr/>
+          <a:lstStyle/>
+          <a:p>
+            <a:r>
+              <a:rPr lang="zh-CN" altLang="en-US" dirty="0"/>
+              <a:t>初始变化的影响</a:t>
+            </a:r>
+          </a:p>
+        </p:txBody>
+      </p:sp>
+      <p:sp>
+        <p:nvSpPr>
+          <p:cNvPr id="3" name="内容占位符 2"/>
+          <p:cNvSpPr>
+            <a:spLocks noGrp="1"/>
+          </p:cNvSpPr>
+          <p:nvPr>
+            <p:ph idx="1"/>
+          </p:nvPr>
+        </p:nvSpPr>
+        <p:spPr/>
+        <p:txBody>
+          <a:bodyPr/>
+          <a:lstStyle/>
+          <a:p>
+            <a:r>
+              <a:rPr lang="zh-CN" altLang="en-US" dirty="0"/>
+              <a:t>经济和社会中有些事物发展模式受初始阶段影响，甚至早期一些随机、意外的事件影响了后续路径</a:t>
+            </a:r>
+            <a:endParaRPr lang="en-US" altLang="zh-CN" dirty="0"/>
+          </a:p>
+          <a:p>
+            <a:pPr lvl="1"/>
+            <a:r>
+              <a:rPr lang="zh-CN" altLang="en-US" dirty="0"/>
+              <a:t>键盘的布局</a:t>
+            </a:r>
+            <a:endParaRPr lang="en-US" altLang="zh-CN" dirty="0"/>
+          </a:p>
+          <a:p>
+            <a:pPr lvl="1"/>
+            <a:r>
+              <a:rPr lang="zh-CN" altLang="en-US" dirty="0"/>
+              <a:t>网购平台的市场格局</a:t>
+            </a:r>
+            <a:endParaRPr lang="en-US" altLang="zh-CN" dirty="0"/>
+          </a:p>
+          <a:p>
+            <a:pPr lvl="1"/>
+            <a:r>
+              <a:rPr lang="zh-CN" altLang="en-US" dirty="0"/>
+              <a:t>公路靠右行驶的习惯</a:t>
+            </a:r>
+            <a:endParaRPr lang="en-US" altLang="zh-CN" dirty="0"/>
+          </a:p>
+          <a:p>
+            <a:pPr lvl="1"/>
+            <a:r>
+              <a:rPr lang="en-US" altLang="zh-CN" dirty="0"/>
+              <a:t>……</a:t>
+            </a:r>
+          </a:p>
+          <a:p>
+            <a:r>
+              <a:rPr lang="zh-CN" altLang="en-US" dirty="0"/>
+              <a:t>这些模式的形成都受事物早期的发展影响，形成一种“路径依赖”</a:t>
+            </a:r>
+            <a:endParaRPr lang="en-US" altLang="zh-CN" dirty="0"/>
+          </a:p>
+          <a:p>
+            <a:r>
+              <a:rPr lang="zh-CN" altLang="en-US" dirty="0"/>
+              <a:t>一旦处于“路径依然”的系统发生变化，经过变动后再次找到平衡，形成所谓“锁定”状态。</a:t>
+            </a:r>
+            <a:endParaRPr lang="en-US" altLang="zh-CN" dirty="0"/>
+          </a:p>
+        </p:txBody>
+      </p:sp>
+    </p:spTree>
+    <p:extLst>
+      <p:ext uri="{BB962C8B-B14F-4D97-AF65-F5344CB8AC3E}">
+        <p14:creationId xmlns:p14="http://schemas.microsoft.com/office/powerpoint/2010/main" val="2775186427"/>
+      </p:ext>
+    </p:extLst>
+  </p:cSld>
+  <p:clrMapOvr>
+    <a:masterClrMapping/>
+  </p:clrMapOvr>
+  <mc:AlternateContent xmlns:mc="http://schemas.openxmlformats.org/markup-compatibility/2006" xmlns:p14="http://schemas.microsoft.com/office/powerpoint/2010/main">
+    <mc:Choice Requires="p14">
+      <p:transition spd="med" p14:dur="700">
+        <p:fade/>
+      </p:transition>
+    </mc:Choice>
+    <mc:Fallback xmlns="">
+      <p:transition spd="med">
+        <p:fade/>
+      </p:transition>
+    </mc:Fallback>
+  </mc:AlternateContent>
+</p:sld>
+</file>
+
+<file path=ppt/slides/slide14.xml><?xml version="1.0" encoding="utf-8"?>
+<p:sld xmlns:a="http://schemas.openxmlformats.org/drawingml/2006/main" xmlns:r="http://schemas.openxmlformats.org/officeDocument/2006/relationships" xmlns:p="http://schemas.openxmlformats.org/presentationml/2006/main">
+  <p:cSld>
+    <p:spTree>
+      <p:nvGrpSpPr>
+        <p:cNvPr id="1" name=""/>
+        <p:cNvGrpSpPr/>
+        <p:nvPr/>
+      </p:nvGrpSpPr>
+      <p:grpSpPr>
+        <a:xfrm>
+          <a:off x="0" y="0"/>
+          <a:ext cx="0" cy="0"/>
+          <a:chOff x="0" y="0"/>
+          <a:chExt cx="0" cy="0"/>
+        </a:xfrm>
+      </p:grpSpPr>
+      <p:sp>
+        <p:nvSpPr>
+          <p:cNvPr id="2" name="标题 1"/>
+          <p:cNvSpPr>
+            <a:spLocks noGrp="1"/>
+          </p:cNvSpPr>
+          <p:nvPr>
+            <p:ph type="title"/>
+          </p:nvPr>
+        </p:nvSpPr>
+        <p:spPr/>
+        <p:txBody>
+          <a:bodyPr/>
+          <a:lstStyle/>
+          <a:p>
+            <a:r>
+              <a:rPr lang="zh-CN" altLang="en-US" dirty="0"/>
+              <a:t>三、路径锁定</a:t>
+            </a:r>
+          </a:p>
+        </p:txBody>
+      </p:sp>
+      <p:sp>
+        <p:nvSpPr>
+          <p:cNvPr id="3" name="内容占位符 2"/>
+          <p:cNvSpPr>
+            <a:spLocks noGrp="1"/>
+          </p:cNvSpPr>
+          <p:nvPr>
+            <p:ph idx="1"/>
+          </p:nvPr>
+        </p:nvSpPr>
+        <p:spPr/>
+        <p:txBody>
+          <a:bodyPr/>
+          <a:lstStyle/>
+          <a:p>
+            <a:r>
+              <a:rPr lang="zh-CN" altLang="en-US" dirty="0"/>
+              <a:t>为什么钟表指针沿顺时针方向旋转</a:t>
+            </a:r>
+            <a:endParaRPr lang="en-US" altLang="zh-CN" dirty="0"/>
+          </a:p>
+          <a:p>
+            <a:r>
+              <a:rPr lang="zh-CN" altLang="en-US" dirty="0"/>
+              <a:t>为什么大多数国家的公路习惯右侧行走</a:t>
+            </a:r>
+            <a:endParaRPr lang="en-US" altLang="zh-CN" dirty="0"/>
+          </a:p>
+          <a:p>
+            <a:r>
+              <a:rPr lang="zh-CN" altLang="en-US" dirty="0"/>
+              <a:t>为什么键盘布局是现在这个样子</a:t>
+            </a:r>
+            <a:endParaRPr lang="en-US" altLang="zh-CN" dirty="0"/>
+          </a:p>
+          <a:p>
+            <a:r>
+              <a:rPr lang="zh-CN" altLang="en-US" dirty="0"/>
+              <a:t>为什么市场经济中有许多赢者通吃的现象</a:t>
+            </a:r>
+            <a:endParaRPr lang="en-US" altLang="zh-CN" dirty="0"/>
+          </a:p>
+          <a:p>
+            <a:pPr marL="0" indent="0">
+              <a:buNone/>
+            </a:pPr>
+            <a:r>
+              <a:rPr lang="zh-CN" altLang="en-US" dirty="0"/>
+              <a:t>这些问题中存在“路径依赖”现象。</a:t>
+            </a:r>
+            <a:endParaRPr lang="en-US" altLang="zh-CN" dirty="0"/>
+          </a:p>
+          <a:p>
+            <a:pPr marL="0" indent="0">
+              <a:buNone/>
+            </a:pPr>
+            <a:r>
+              <a:rPr lang="zh-CN" altLang="en-US" dirty="0"/>
+              <a:t>路径依赖是一种发展模式，系统平衡的最终结果取决于初始条件和随机变动，微小而无法预知的事件往往决定了系统运行结果</a:t>
+            </a:r>
+          </a:p>
+        </p:txBody>
+      </p:sp>
+      <p:sp>
+        <p:nvSpPr>
+          <p:cNvPr id="4" name="文本框 3"/>
+          <p:cNvSpPr txBox="1"/>
+          <p:nvPr/>
+        </p:nvSpPr>
+        <p:spPr>
+          <a:xfrm>
+            <a:off x="7710115" y="5695062"/>
+            <a:ext cx="4464496" cy="646331"/>
+          </a:xfrm>
+          <a:prstGeom prst="rect">
+            <a:avLst/>
+          </a:prstGeom>
+          <a:noFill/>
+        </p:spPr>
+        <p:txBody>
+          <a:bodyPr wrap="square" rtlCol="0">
+            <a:spAutoFit/>
+          </a:bodyPr>
+          <a:lstStyle/>
+          <a:p>
+            <a:r>
+              <a:rPr lang="zh-CN" altLang="en-US" dirty="0">
+                <a:solidFill>
+                  <a:srgbClr val="7030A0"/>
+                </a:solidFill>
+              </a:rPr>
+              <a:t>马太效应</a:t>
+            </a:r>
+            <a:r>
+              <a:rPr lang="en-US" altLang="zh-CN" dirty="0">
+                <a:solidFill>
+                  <a:srgbClr val="7030A0"/>
+                </a:solidFill>
+              </a:rPr>
+              <a:t>-</a:t>
+            </a:r>
+            <a:r>
+              <a:rPr lang="zh-CN" altLang="en-US" dirty="0">
+                <a:solidFill>
+                  <a:srgbClr val="7030A0"/>
+                </a:solidFill>
+              </a:rPr>
+              <a:t>对已经拥有的人，要给他更多；但对还未拥有的人，要拿走他已有的</a:t>
+            </a:r>
+          </a:p>
+        </p:txBody>
+      </p:sp>
+    </p:spTree>
+    <p:extLst>
+      <p:ext uri="{BB962C8B-B14F-4D97-AF65-F5344CB8AC3E}">
+        <p14:creationId xmlns:p14="http://schemas.microsoft.com/office/powerpoint/2010/main" val="1666662047"/>
       </p:ext>
     </p:extLst>
   </p:cSld>
@@ -9551,58 +9568,6 @@
           </a:prstGeom>
         </p:spPr>
       </p:pic>
-      <p:sp>
-        <p:nvSpPr>
-          <p:cNvPr id="6" name="文本框 5"/>
-          <p:cNvSpPr txBox="1"/>
-          <p:nvPr/>
-        </p:nvSpPr>
-        <p:spPr>
-          <a:xfrm>
-            <a:off x="5698832" y="913258"/>
-            <a:ext cx="825867" cy="400110"/>
-          </a:xfrm>
-          <a:prstGeom prst="rect">
-            <a:avLst/>
-          </a:prstGeom>
-          <a:noFill/>
-        </p:spPr>
-        <p:txBody>
-          <a:bodyPr wrap="none" rtlCol="0">
-            <a:spAutoFit/>
-          </a:bodyPr>
-          <a:lstStyle/>
-          <a:p>
-            <a:r>
-              <a:rPr lang="zh-CN" altLang="en-US" sz="2000" dirty="0">
-                <a:solidFill>
-                  <a:srgbClr val="7030A0"/>
-                </a:solidFill>
-                <a:latin typeface="楷体" panose="02010609060101010101" pitchFamily="49" charset="-122"/>
-                <a:ea typeface="楷体" panose="02010609060101010101" pitchFamily="49" charset="-122"/>
-              </a:rPr>
-              <a:t>案例</a:t>
-            </a:r>
-            <a:r>
-              <a:rPr lang="en-US" altLang="zh-CN" sz="2000" dirty="0">
-                <a:solidFill>
-                  <a:srgbClr val="7030A0"/>
-                </a:solidFill>
-                <a:latin typeface="楷体" panose="02010609060101010101" pitchFamily="49" charset="-122"/>
-                <a:ea typeface="楷体" panose="02010609060101010101" pitchFamily="49" charset="-122"/>
-              </a:rPr>
-              <a:t>1</a:t>
-            </a:r>
-            <a:endParaRPr lang="zh-CN" altLang="en-US" sz="2000" dirty="0">
-              <a:solidFill>
-                <a:srgbClr val="7030A0"/>
-              </a:solidFill>
-              <a:latin typeface="楷体" panose="02010609060101010101" pitchFamily="49" charset="-122"/>
-              <a:ea typeface="楷体" panose="02010609060101010101" pitchFamily="49" charset="-122"/>
-            </a:endParaRPr>
-          </a:p>
-        </p:txBody>
-      </p:sp>
     </p:spTree>
     <p:extLst>
       <p:ext uri="{BB962C8B-B14F-4D97-AF65-F5344CB8AC3E}">
@@ -10091,7 +10056,7 @@
           <a:p>
             <a:r>
               <a:rPr kumimoji="1" lang="zh-CN" altLang="en-US" dirty="0"/>
-              <a:t>主导回路的转移</a:t>
+              <a:t>二、主导回路的转移</a:t>
             </a:r>
           </a:p>
         </p:txBody>
@@ -10305,10 +10270,7 @@
           <a:bodyPr/>
           <a:lstStyle/>
           <a:p>
-            <a:r>
-              <a:rPr kumimoji="1" lang="zh-CN" altLang="en-US" dirty="0"/>
-              <a:t>主导回路的转移</a:t>
-            </a:r>
+            <a:endParaRPr kumimoji="1" lang="zh-CN" altLang="en-US" dirty="0"/>
           </a:p>
         </p:txBody>
       </p:sp>
@@ -10677,183 +10639,7 @@
           <a:p>
             <a:r>
               <a:rPr lang="zh-CN" altLang="en-US" dirty="0"/>
-              <a:t>路径锁定效应</a:t>
-            </a:r>
-          </a:p>
-        </p:txBody>
-      </p:sp>
-      <p:sp>
-        <p:nvSpPr>
-          <p:cNvPr id="3" name="内容占位符 2"/>
-          <p:cNvSpPr>
-            <a:spLocks noGrp="1"/>
-          </p:cNvSpPr>
-          <p:nvPr>
-            <p:ph idx="1"/>
-          </p:nvPr>
-        </p:nvSpPr>
-        <p:spPr/>
-        <p:txBody>
-          <a:bodyPr/>
-          <a:lstStyle/>
-          <a:p>
-            <a:r>
-              <a:rPr lang="zh-CN" altLang="en-US" dirty="0"/>
-              <a:t>为什么钟表指针沿顺时针方向旋转</a:t>
-            </a:r>
-            <a:endParaRPr lang="en-US" altLang="zh-CN" dirty="0"/>
-          </a:p>
-          <a:p>
-            <a:r>
-              <a:rPr lang="zh-CN" altLang="en-US" dirty="0"/>
-              <a:t>为什么大多数国家的公路习惯右侧行走</a:t>
-            </a:r>
-            <a:endParaRPr lang="en-US" altLang="zh-CN" dirty="0"/>
-          </a:p>
-          <a:p>
-            <a:r>
-              <a:rPr lang="zh-CN" altLang="en-US" dirty="0"/>
-              <a:t>为什么键盘布局是现在这个样子</a:t>
-            </a:r>
-            <a:endParaRPr lang="en-US" altLang="zh-CN" dirty="0"/>
-          </a:p>
-          <a:p>
-            <a:r>
-              <a:rPr lang="zh-CN" altLang="en-US" dirty="0"/>
-              <a:t>为什么市场经济中有许多赢者通吃的现象</a:t>
-            </a:r>
-            <a:endParaRPr lang="en-US" altLang="zh-CN" dirty="0"/>
-          </a:p>
-          <a:p>
-            <a:pPr marL="0" indent="0">
-              <a:buNone/>
-            </a:pPr>
-            <a:r>
-              <a:rPr lang="zh-CN" altLang="en-US" dirty="0"/>
-              <a:t>这些问题中存在“路径依赖”现象。</a:t>
-            </a:r>
-            <a:endParaRPr lang="en-US" altLang="zh-CN" dirty="0"/>
-          </a:p>
-          <a:p>
-            <a:pPr marL="0" indent="0">
-              <a:buNone/>
-            </a:pPr>
-            <a:r>
-              <a:rPr lang="zh-CN" altLang="en-US" dirty="0"/>
-              <a:t>路径依赖是一种发展模式，系统平衡的最终结果取决于初始条件和随机变动，微小而无法预知的事件往往决定了系统运行结果</a:t>
-            </a:r>
-          </a:p>
-        </p:txBody>
-      </p:sp>
-      <p:sp>
-        <p:nvSpPr>
-          <p:cNvPr id="4" name="文本框 3"/>
-          <p:cNvSpPr txBox="1"/>
-          <p:nvPr/>
-        </p:nvSpPr>
-        <p:spPr>
-          <a:xfrm>
-            <a:off x="7710115" y="5695062"/>
-            <a:ext cx="4464496" cy="646331"/>
-          </a:xfrm>
-          <a:prstGeom prst="rect">
-            <a:avLst/>
-          </a:prstGeom>
-          <a:noFill/>
-        </p:spPr>
-        <p:txBody>
-          <a:bodyPr wrap="square" rtlCol="0">
-            <a:spAutoFit/>
-          </a:bodyPr>
-          <a:lstStyle/>
-          <a:p>
-            <a:r>
-              <a:rPr lang="zh-CN" altLang="en-US" dirty="0">
-                <a:solidFill>
-                  <a:srgbClr val="7030A0"/>
-                </a:solidFill>
-              </a:rPr>
-              <a:t>马太效应</a:t>
-            </a:r>
-            <a:r>
-              <a:rPr lang="en-US" altLang="zh-CN" dirty="0">
-                <a:solidFill>
-                  <a:srgbClr val="7030A0"/>
-                </a:solidFill>
-              </a:rPr>
-              <a:t>-</a:t>
-            </a:r>
-            <a:r>
-              <a:rPr lang="zh-CN" altLang="en-US" dirty="0">
-                <a:solidFill>
-                  <a:srgbClr val="7030A0"/>
-                </a:solidFill>
-              </a:rPr>
-              <a:t>对已经拥有的人，要给他更多；但对还未拥有的人，要拿走他已有的</a:t>
-            </a:r>
-          </a:p>
-        </p:txBody>
-      </p:sp>
-    </p:spTree>
-    <p:extLst>
-      <p:ext uri="{BB962C8B-B14F-4D97-AF65-F5344CB8AC3E}">
-        <p14:creationId xmlns:p14="http://schemas.microsoft.com/office/powerpoint/2010/main" val="1666662047"/>
-      </p:ext>
-    </p:extLst>
-  </p:cSld>
-  <p:clrMapOvr>
-    <a:masterClrMapping/>
-  </p:clrMapOvr>
-  <mc:AlternateContent xmlns:mc="http://schemas.openxmlformats.org/markup-compatibility/2006" xmlns:p14="http://schemas.microsoft.com/office/powerpoint/2010/main">
-    <mc:Choice Requires="p14">
-      <p:transition spd="med" p14:dur="700">
-        <p:fade/>
-      </p:transition>
-    </mc:Choice>
-    <mc:Fallback xmlns="">
-      <p:transition spd="med">
-        <p:fade/>
-      </p:transition>
-    </mc:Fallback>
-  </mc:AlternateContent>
-</p:sld>
-</file>
-
-<file path=ppt/slides/slide8.xml><?xml version="1.0" encoding="utf-8"?>
-<p:sld xmlns:a="http://schemas.openxmlformats.org/drawingml/2006/main" xmlns:r="http://schemas.openxmlformats.org/officeDocument/2006/relationships" xmlns:p="http://schemas.openxmlformats.org/presentationml/2006/main">
-  <p:cSld>
-    <p:spTree>
-      <p:nvGrpSpPr>
-        <p:cNvPr id="1" name=""/>
-        <p:cNvGrpSpPr/>
-        <p:nvPr/>
-      </p:nvGrpSpPr>
-      <p:grpSpPr>
-        <a:xfrm>
-          <a:off x="0" y="0"/>
-          <a:ext cx="0" cy="0"/>
-          <a:chOff x="0" y="0"/>
-          <a:chExt cx="0" cy="0"/>
-        </a:xfrm>
-      </p:grpSpPr>
-      <p:sp>
-        <p:nvSpPr>
-          <p:cNvPr id="2" name="标题 1"/>
-          <p:cNvSpPr>
-            <a:spLocks noGrp="1"/>
-          </p:cNvSpPr>
-          <p:nvPr>
-            <p:ph type="title"/>
-          </p:nvPr>
-        </p:nvSpPr>
-        <p:spPr/>
-        <p:txBody>
-          <a:bodyPr/>
-          <a:lstStyle/>
-          <a:p>
-            <a:r>
-              <a:rPr lang="zh-CN" altLang="en-US" dirty="0"/>
-              <a:t>理解动态平衡</a:t>
+              <a:t>三、路径锁定</a:t>
             </a:r>
           </a:p>
         </p:txBody>
@@ -11189,6 +10975,96 @@
 </p:sld>
 </file>
 
+<file path=ppt/slides/slide8.xml><?xml version="1.0" encoding="utf-8"?>
+<p:sld xmlns:a="http://schemas.openxmlformats.org/drawingml/2006/main" xmlns:r="http://schemas.openxmlformats.org/officeDocument/2006/relationships" xmlns:p="http://schemas.openxmlformats.org/presentationml/2006/main">
+  <p:cSld>
+    <p:spTree>
+      <p:nvGrpSpPr>
+        <p:cNvPr id="1" name=""/>
+        <p:cNvGrpSpPr/>
+        <p:nvPr/>
+      </p:nvGrpSpPr>
+      <p:grpSpPr>
+        <a:xfrm>
+          <a:off x="0" y="0"/>
+          <a:ext cx="0" cy="0"/>
+          <a:chOff x="0" y="0"/>
+          <a:chExt cx="0" cy="0"/>
+        </a:xfrm>
+      </p:grpSpPr>
+      <p:sp>
+        <p:nvSpPr>
+          <p:cNvPr id="2" name="标题 1"/>
+          <p:cNvSpPr>
+            <a:spLocks noGrp="1"/>
+          </p:cNvSpPr>
+          <p:nvPr>
+            <p:ph type="title"/>
+          </p:nvPr>
+        </p:nvSpPr>
+        <p:spPr/>
+        <p:txBody>
+          <a:bodyPr/>
+          <a:lstStyle/>
+          <a:p>
+            <a:endParaRPr lang="zh-CN" altLang="en-US" dirty="0"/>
+          </a:p>
+        </p:txBody>
+      </p:sp>
+      <p:sp>
+        <p:nvSpPr>
+          <p:cNvPr id="3" name="内容占位符 2"/>
+          <p:cNvSpPr>
+            <a:spLocks noGrp="1"/>
+          </p:cNvSpPr>
+          <p:nvPr>
+            <p:ph idx="1"/>
+          </p:nvPr>
+        </p:nvSpPr>
+        <p:spPr/>
+        <p:txBody>
+          <a:bodyPr/>
+          <a:lstStyle/>
+          <a:p>
+            <a:pPr marL="0" indent="0">
+              <a:lnSpc>
+                <a:spcPct val="140000"/>
+              </a:lnSpc>
+              <a:buNone/>
+            </a:pPr>
+            <a:r>
+              <a:rPr lang="zh-CN" altLang="en-US" dirty="0"/>
+              <a:t>情景描述：往罐子里装石头，有黑色和白色两种石头，每次选择一种颜色的石头放进去。每次向罐子里放什么颜色的石头时随机的，下一次放入白色或黑色石头的概率等于当前该颜色石头在罐子里的比例。</a:t>
+            </a:r>
+            <a:endParaRPr lang="en-US" altLang="zh-CN" dirty="0"/>
+          </a:p>
+        </p:txBody>
+      </p:sp>
+    </p:spTree>
+    <p:extLst>
+      <p:ext uri="{BB962C8B-B14F-4D97-AF65-F5344CB8AC3E}">
+        <p14:creationId xmlns:p14="http://schemas.microsoft.com/office/powerpoint/2010/main" val="1792658596"/>
+      </p:ext>
+    </p:extLst>
+  </p:cSld>
+  <p:clrMapOvr>
+    <a:masterClrMapping/>
+  </p:clrMapOvr>
+  <mc:AlternateContent xmlns:mc="http://schemas.openxmlformats.org/markup-compatibility/2006" xmlns:p14="http://schemas.microsoft.com/office/powerpoint/2010/main">
+    <mc:Choice Requires="p14">
+      <p:transition spd="med" p14:dur="700">
+        <p:fade/>
+      </p:transition>
+    </mc:Choice>
+    <mc:Fallback xmlns="">
+      <p:transition spd="med">
+        <p:fade/>
+      </p:transition>
+    </mc:Fallback>
+  </mc:AlternateContent>
+</p:sld>
+</file>
+
 <file path=ppt/slides/slide9.xml><?xml version="1.0" encoding="utf-8"?>
 <p:sld xmlns:a="http://schemas.openxmlformats.org/drawingml/2006/main" xmlns:r="http://schemas.openxmlformats.org/officeDocument/2006/relationships" xmlns:p="http://schemas.openxmlformats.org/presentationml/2006/main">
   <p:cSld>
@@ -11206,100 +11082,216 @@
           <a:chExt cx="0" cy="0"/>
         </a:xfrm>
       </p:grpSpPr>
-      <p:sp>
-        <p:nvSpPr>
-          <p:cNvPr id="2" name="标题 1"/>
-          <p:cNvSpPr>
-            <a:spLocks noGrp="1"/>
-          </p:cNvSpPr>
-          <p:nvPr>
-            <p:ph type="title"/>
-          </p:nvPr>
-        </p:nvSpPr>
-        <p:spPr/>
-        <p:txBody>
-          <a:bodyPr/>
+      <p:pic>
+        <p:nvPicPr>
+          <p:cNvPr id="4" name="图片 3"/>
+          <p:cNvPicPr>
+            <a:picLocks noChangeAspect="1"/>
+          </p:cNvPicPr>
+          <p:nvPr/>
+        </p:nvPicPr>
+        <p:blipFill>
+          <a:blip r:embed="rId2"/>
+          <a:stretch>
+            <a:fillRect/>
+          </a:stretch>
+        </p:blipFill>
+        <p:spPr>
+          <a:xfrm>
+            <a:off x="2566020" y="459183"/>
+            <a:ext cx="7979298" cy="5609737"/>
+          </a:xfrm>
+          <a:prstGeom prst="rect">
+            <a:avLst/>
+          </a:prstGeom>
+        </p:spPr>
+      </p:pic>
+      <p:sp>
+        <p:nvSpPr>
+          <p:cNvPr id="2" name="矩形 1">
+            <a:extLst>
+              <a:ext uri="{FF2B5EF4-FFF2-40B4-BE49-F238E27FC236}">
+                <a16:creationId xmlns:a16="http://schemas.microsoft.com/office/drawing/2014/main" id="{D63B7F8A-C3CA-0744-BC8E-52D204AA117C}"/>
+              </a:ext>
+            </a:extLst>
+          </p:cNvPr>
+          <p:cNvSpPr/>
+          <p:nvPr/>
+        </p:nvSpPr>
+        <p:spPr>
+          <a:xfrm>
+            <a:off x="1104834" y="268907"/>
+            <a:ext cx="9577064" cy="380553"/>
+          </a:xfrm>
+          <a:prstGeom prst="rect">
+            <a:avLst/>
+          </a:prstGeom>
+        </p:spPr>
+        <p:txBody>
+          <a:bodyPr wrap="square">
+            <a:spAutoFit/>
+          </a:bodyPr>
           <a:lstStyle/>
           <a:p>
-            <a:r>
-              <a:rPr lang="zh-CN" altLang="en-US" dirty="0"/>
-              <a:t>初始变化的影响</a:t>
-            </a:r>
-          </a:p>
-        </p:txBody>
-      </p:sp>
-      <p:sp>
-        <p:nvSpPr>
-          <p:cNvPr id="3" name="内容占位符 2"/>
-          <p:cNvSpPr>
-            <a:spLocks noGrp="1"/>
-          </p:cNvSpPr>
-          <p:nvPr>
-            <p:ph idx="1"/>
-          </p:nvPr>
-        </p:nvSpPr>
-        <p:spPr/>
-        <p:txBody>
-          <a:bodyPr/>
+            <a:pPr>
+              <a:lnSpc>
+                <a:spcPct val="120000"/>
+              </a:lnSpc>
+            </a:pPr>
+            <a:r>
+              <a:rPr kumimoji="1" lang="zh-CN" altLang="en-US" dirty="0">
+                <a:latin typeface="楷体" panose="02010609060101010101" pitchFamily="49" charset="-122"/>
+                <a:ea typeface="楷体" panose="02010609060101010101" pitchFamily="49" charset="-122"/>
+              </a:rPr>
+              <a:t>每次投放黑色石头</a:t>
+            </a:r>
+            <a:r>
+              <a:rPr kumimoji="1" lang="en-US" altLang="zh-CN" dirty="0">
+                <a:latin typeface="楷体" panose="02010609060101010101" pitchFamily="49" charset="-122"/>
+                <a:ea typeface="楷体" panose="02010609060101010101" pitchFamily="49" charset="-122"/>
+              </a:rPr>
+              <a:t>=IF THEN ELSE(</a:t>
+            </a:r>
+            <a:r>
+              <a:rPr kumimoji="1" lang="zh-CN" altLang="en-US" dirty="0">
+                <a:latin typeface="楷体" panose="02010609060101010101" pitchFamily="49" charset="-122"/>
+                <a:ea typeface="楷体" panose="02010609060101010101" pitchFamily="49" charset="-122"/>
+              </a:rPr>
+              <a:t>随机投放的石头概率</a:t>
+            </a:r>
+            <a:r>
+              <a:rPr kumimoji="1" lang="en-US" altLang="zh-CN" dirty="0">
+                <a:latin typeface="楷体" panose="02010609060101010101" pitchFamily="49" charset="-122"/>
+                <a:ea typeface="楷体" panose="02010609060101010101" pitchFamily="49" charset="-122"/>
+              </a:rPr>
+              <a:t>&lt;</a:t>
+            </a:r>
+            <a:r>
+              <a:rPr kumimoji="1" lang="zh-CN" altLang="en-US" dirty="0">
+                <a:latin typeface="楷体" panose="02010609060101010101" pitchFamily="49" charset="-122"/>
+                <a:ea typeface="楷体" panose="02010609060101010101" pitchFamily="49" charset="-122"/>
+              </a:rPr>
+              <a:t>黑色石头比例</a:t>
+            </a:r>
+            <a:r>
+              <a:rPr kumimoji="1" lang="en-US" altLang="zh-CN" dirty="0">
+                <a:latin typeface="楷体" panose="02010609060101010101" pitchFamily="49" charset="-122"/>
+                <a:ea typeface="楷体" panose="02010609060101010101" pitchFamily="49" charset="-122"/>
+              </a:rPr>
+              <a:t>, </a:t>
+            </a:r>
+            <a:r>
+              <a:rPr kumimoji="1" lang="zh-CN" altLang="en-US" dirty="0">
+                <a:latin typeface="楷体" panose="02010609060101010101" pitchFamily="49" charset="-122"/>
+                <a:ea typeface="楷体" panose="02010609060101010101" pitchFamily="49" charset="-122"/>
+              </a:rPr>
+              <a:t>每次投放的石头 </a:t>
+            </a:r>
+            <a:r>
+              <a:rPr kumimoji="1" lang="en-US" altLang="zh-CN" dirty="0">
+                <a:latin typeface="楷体" panose="02010609060101010101" pitchFamily="49" charset="-122"/>
+                <a:ea typeface="楷体" panose="02010609060101010101" pitchFamily="49" charset="-122"/>
+              </a:rPr>
+              <a:t>,0 )</a:t>
+            </a:r>
+          </a:p>
+        </p:txBody>
+      </p:sp>
+      <p:sp>
+        <p:nvSpPr>
+          <p:cNvPr id="3" name="矩形 2">
+            <a:extLst>
+              <a:ext uri="{FF2B5EF4-FFF2-40B4-BE49-F238E27FC236}">
+                <a16:creationId xmlns:a16="http://schemas.microsoft.com/office/drawing/2014/main" id="{E440893E-63CF-F943-BC67-32A8351650C6}"/>
+              </a:ext>
+            </a:extLst>
+          </p:cNvPr>
+          <p:cNvSpPr/>
+          <p:nvPr/>
+        </p:nvSpPr>
+        <p:spPr>
+          <a:xfrm>
+            <a:off x="1125860" y="5812392"/>
+            <a:ext cx="9937104" cy="380553"/>
+          </a:xfrm>
+          <a:prstGeom prst="rect">
+            <a:avLst/>
+          </a:prstGeom>
+        </p:spPr>
+        <p:txBody>
+          <a:bodyPr wrap="square">
+            <a:spAutoFit/>
+          </a:bodyPr>
           <a:lstStyle/>
           <a:p>
-            <a:r>
-              <a:rPr lang="zh-CN" altLang="en-US" dirty="0"/>
-              <a:t>经济和社会中有些事物发展模式受初始阶段影响，甚至早期一些随机、意外的事件影响了后续路径</a:t>
-            </a:r>
-            <a:endParaRPr lang="en-US" altLang="zh-CN" dirty="0"/>
-          </a:p>
-          <a:p>
-            <a:pPr lvl="1"/>
-            <a:r>
-              <a:rPr lang="zh-CN" altLang="en-US" dirty="0"/>
-              <a:t>键盘的布局</a:t>
-            </a:r>
-            <a:endParaRPr lang="en-US" altLang="zh-CN" dirty="0"/>
-          </a:p>
-          <a:p>
-            <a:pPr lvl="1"/>
-            <a:r>
-              <a:rPr lang="zh-CN" altLang="en-US" dirty="0"/>
-              <a:t>网购平台的市场格局</a:t>
-            </a:r>
-            <a:endParaRPr lang="en-US" altLang="zh-CN" dirty="0"/>
-          </a:p>
-          <a:p>
-            <a:pPr lvl="1"/>
-            <a:r>
-              <a:rPr lang="zh-CN" altLang="en-US" dirty="0"/>
-              <a:t>公路靠右行驶的习惯</a:t>
-            </a:r>
-            <a:endParaRPr lang="en-US" altLang="zh-CN" dirty="0"/>
-          </a:p>
-          <a:p>
-            <a:pPr lvl="1"/>
-            <a:r>
-              <a:rPr lang="en-US" altLang="zh-CN" dirty="0"/>
-              <a:t>……</a:t>
-            </a:r>
-          </a:p>
-          <a:p>
-            <a:r>
-              <a:rPr lang="zh-CN" altLang="en-US" dirty="0"/>
-              <a:t>这些模式的形成都受事物早期的发展影响，形成一种“路径依赖”</a:t>
-            </a:r>
-            <a:endParaRPr lang="en-US" altLang="zh-CN" dirty="0"/>
-          </a:p>
-          <a:p>
-            <a:r>
-              <a:rPr lang="zh-CN" altLang="en-US" dirty="0"/>
-              <a:t>一旦处于“路径依然”的系统发生变化，经过变动后再次找到平衡，形成所谓“锁定”状态。</a:t>
-            </a:r>
-            <a:endParaRPr lang="en-US" altLang="zh-CN" dirty="0"/>
+            <a:pPr>
+              <a:lnSpc>
+                <a:spcPct val="120000"/>
+              </a:lnSpc>
+            </a:pPr>
+            <a:r>
+              <a:rPr kumimoji="1" lang="zh-CN" altLang="en-US" dirty="0">
+                <a:latin typeface="楷体" panose="02010609060101010101" pitchFamily="49" charset="-122"/>
+                <a:ea typeface="楷体" panose="02010609060101010101" pitchFamily="49" charset="-122"/>
+              </a:rPr>
+              <a:t>每次投放白色石头</a:t>
+            </a:r>
+            <a:r>
+              <a:rPr kumimoji="1" lang="en-US" altLang="zh-CN" dirty="0">
+                <a:latin typeface="楷体" panose="02010609060101010101" pitchFamily="49" charset="-122"/>
+                <a:ea typeface="楷体" panose="02010609060101010101" pitchFamily="49" charset="-122"/>
+              </a:rPr>
+              <a:t>=IF THEN ELSE(1-</a:t>
+            </a:r>
+            <a:r>
+              <a:rPr kumimoji="1" lang="zh-CN" altLang="en-US" dirty="0">
+                <a:latin typeface="楷体" panose="02010609060101010101" pitchFamily="49" charset="-122"/>
+                <a:ea typeface="楷体" panose="02010609060101010101" pitchFamily="49" charset="-122"/>
+              </a:rPr>
+              <a:t>随机投放的石头概率</a:t>
+            </a:r>
+            <a:r>
+              <a:rPr kumimoji="1" lang="en-US" altLang="zh-CN" dirty="0">
+                <a:latin typeface="楷体" panose="02010609060101010101" pitchFamily="49" charset="-122"/>
+                <a:ea typeface="楷体" panose="02010609060101010101" pitchFamily="49" charset="-122"/>
+              </a:rPr>
+              <a:t>&lt;</a:t>
+            </a:r>
+            <a:r>
+              <a:rPr kumimoji="1" lang="zh-CN" altLang="en-US" dirty="0">
+                <a:latin typeface="楷体" panose="02010609060101010101" pitchFamily="49" charset="-122"/>
+                <a:ea typeface="楷体" panose="02010609060101010101" pitchFamily="49" charset="-122"/>
+              </a:rPr>
+              <a:t>白色石头比例</a:t>
+            </a:r>
+            <a:r>
+              <a:rPr kumimoji="1" lang="en-US" altLang="zh-CN" dirty="0">
+                <a:latin typeface="楷体" panose="02010609060101010101" pitchFamily="49" charset="-122"/>
+                <a:ea typeface="楷体" panose="02010609060101010101" pitchFamily="49" charset="-122"/>
+              </a:rPr>
+              <a:t>, </a:t>
+            </a:r>
+            <a:r>
+              <a:rPr kumimoji="1" lang="zh-CN" altLang="en-US" dirty="0">
+                <a:latin typeface="楷体" panose="02010609060101010101" pitchFamily="49" charset="-122"/>
+                <a:ea typeface="楷体" panose="02010609060101010101" pitchFamily="49" charset="-122"/>
+              </a:rPr>
+              <a:t>每次投放的石头 </a:t>
+            </a:r>
+            <a:r>
+              <a:rPr kumimoji="1" lang="en-US" altLang="zh-CN" dirty="0">
+                <a:latin typeface="楷体" panose="02010609060101010101" pitchFamily="49" charset="-122"/>
+                <a:ea typeface="楷体" panose="02010609060101010101" pitchFamily="49" charset="-122"/>
+              </a:rPr>
+              <a:t>, 0)</a:t>
+            </a:r>
           </a:p>
         </p:txBody>
       </p:sp>
     </p:spTree>
     <p:extLst>
       <p:ext uri="{BB962C8B-B14F-4D97-AF65-F5344CB8AC3E}">
-        <p14:creationId xmlns:p14="http://schemas.microsoft.com/office/powerpoint/2010/main" val="2775186427"/>
+        <p14:creationId xmlns:p14="http://schemas.microsoft.com/office/powerpoint/2010/main" val="3900310609"/>
       </p:ext>
     </p:extLst>
   </p:cSld>
@@ -11922,23 +11914,11 @@
 
 <file path=customXml/item2.xml><?xml version="1.0" encoding="utf-8"?>
 <Control xmlns="http://schemas.microsoft.com/VisualStudio/2011/storyboarding/control">
-  <Id Name="System.Storyboarding.Annotation.StickyNote" Revision="1" Stencil="System.Storyboarding.Annotation" StencilVersion="0.1"/>
+  <Id Name="5e505f8e-b0aa-429a-bb4c-92ab0e8a8ee6" RevisionId="d2083f08-ba4f-4330-87aa-e4d23a4443d7" Stencil="172d6d98-e5c9-42e9-a209-79f7a94bbd38" StencilRevisionId="00000000-0000-0000-0000-000000000000" StencilVersion="0.0"/>
 </Control>
 </file>
 
 <file path=customXml/item3.xml><?xml version="1.0" encoding="utf-8"?>
-<Control xmlns="http://schemas.microsoft.com/VisualStudio/2011/storyboarding/control">
-  <Id Name="System.Storyboarding.WindowsApps.WindowsAppsListBox" Revision="1" Stencil="System.Storyboarding.WindowsApps" StencilVersion="0.1"/>
-</Control>
-</file>
-
-<file path=customXml/item4.xml><?xml version="1.0" encoding="utf-8"?>
-<Control xmlns="http://schemas.microsoft.com/VisualStudio/2011/storyboarding/control">
-  <Id Name="System.Storyboarding.WindowsApps.WindowsAppsProgressRing" Revision="1" Stencil="System.Storyboarding.WindowsApps" StencilVersion="0.1"/>
-</Control>
-</file>
-
-<file path=customXml/item5.xml><?xml version="1.0" encoding="utf-8"?>
 <p:properties xmlns:p="http://schemas.microsoft.com/office/2006/metadata/properties" xmlns:xsi="http://www.w3.org/2001/XMLSchema-instance" xmlns:pc="http://schemas.microsoft.com/office/infopath/2007/PartnerControls">
   <documentManagement>
     <_dlc_DocId xmlns="b4ebf394-daf6-497a-96c5-a2f8c10b38cf">TT6HZDVJM2HV-178-321</_dlc_DocId>
@@ -11950,15 +11930,27 @@
 </p:properties>
 </file>
 
+<file path=customXml/item4.xml><?xml version="1.0" encoding="utf-8"?>
+<Control xmlns="http://schemas.microsoft.com/VisualStudio/2011/storyboarding/control">
+  <Id Name="System.Storyboarding.WindowsApps.WindowsAppsProgressRing" Revision="1" Stencil="System.Storyboarding.WindowsApps" StencilVersion="0.1"/>
+</Control>
+</file>
+
+<file path=customXml/item5.xml><?xml version="1.0" encoding="utf-8"?>
+<Control xmlns="http://schemas.microsoft.com/VisualStudio/2011/storyboarding/control">
+  <Id Name="System.Storyboarding.WindowsApps.WindowsAppsListBox" Revision="1" Stencil="System.Storyboarding.WindowsApps" StencilVersion="0.1"/>
+</Control>
+</file>
+
 <file path=customXml/item6.xml><?xml version="1.0" encoding="utf-8"?>
 <Control xmlns="http://schemas.microsoft.com/VisualStudio/2011/storyboarding/control">
-  <Id Name="5e505f8e-b0aa-429a-bb4c-92ab0e8a8ee6" RevisionId="d2083f08-ba4f-4330-87aa-e4d23a4443d7" Stencil="172d6d98-e5c9-42e9-a209-79f7a94bbd38" StencilRevisionId="00000000-0000-0000-0000-000000000000" StencilVersion="0.0"/>
+  <Id Name="System.Storyboarding.Common.TextInput" Revision="1" Stencil="System.Storyboarding.Common" StencilVersion="0.1"/>
 </Control>
 </file>
 
 <file path=customXml/item7.xml><?xml version="1.0" encoding="utf-8"?>
 <Control xmlns="http://schemas.microsoft.com/VisualStudio/2011/storyboarding/control">
-  <Id Name="System.Storyboarding.Common.TextInput" Revision="1" Stencil="System.Storyboarding.Common" StencilVersion="0.1"/>
+  <Id Name="System.Storyboarding.Annotation.StickyNote" Revision="1" Stencil="System.Storyboarding.Annotation" StencilVersion="0.1"/>
 </Control>
 </file>
 
@@ -11971,7 +11963,7 @@
 </file>
 
 <file path=customXml/itemProps2.xml><?xml version="1.0" encoding="utf-8"?>
-<ds:datastoreItem xmlns:ds="http://schemas.openxmlformats.org/officeDocument/2006/customXml" ds:itemID="{35CD12A2-2187-402A-B9D9-EF68624DB0B9}">
+<ds:datastoreItem xmlns:ds="http://schemas.openxmlformats.org/officeDocument/2006/customXml" ds:itemID="{22271091-DDCE-44B5-B608-BB96BCA0C299}">
   <ds:schemaRefs>
     <ds:schemaRef ds:uri="http://schemas.microsoft.com/VisualStudio/2011/storyboarding/control"/>
   </ds:schemaRefs>
@@ -11979,9 +11971,11 @@
 </file>
 
 <file path=customXml/itemProps3.xml><?xml version="1.0" encoding="utf-8"?>
-<ds:datastoreItem xmlns:ds="http://schemas.openxmlformats.org/officeDocument/2006/customXml" ds:itemID="{925928FA-66B2-4992-9AF7-6AAB34665E06}">
+<ds:datastoreItem xmlns:ds="http://schemas.openxmlformats.org/officeDocument/2006/customXml" ds:itemID="{1322E1B6-B69B-4B1E-9F64-FFB1E4A65691}">
   <ds:schemaRefs>
-    <ds:schemaRef ds:uri="http://schemas.microsoft.com/VisualStudio/2011/storyboarding/control"/>
+    <ds:schemaRef ds:uri="http://schemas.microsoft.com/office/2006/metadata/properties"/>
+    <ds:schemaRef ds:uri="http://schemas.microsoft.com/office/infopath/2007/PartnerControls"/>
+    <ds:schemaRef ds:uri="b4ebf394-daf6-497a-96c5-a2f8c10b38cf"/>
   </ds:schemaRefs>
 </ds:datastoreItem>
 </file>
@@ -11995,17 +11989,15 @@
 </file>
 
 <file path=customXml/itemProps5.xml><?xml version="1.0" encoding="utf-8"?>
-<ds:datastoreItem xmlns:ds="http://schemas.openxmlformats.org/officeDocument/2006/customXml" ds:itemID="{1322E1B6-B69B-4B1E-9F64-FFB1E4A65691}">
+<ds:datastoreItem xmlns:ds="http://schemas.openxmlformats.org/officeDocument/2006/customXml" ds:itemID="{925928FA-66B2-4992-9AF7-6AAB34665E06}">
   <ds:schemaRefs>
-    <ds:schemaRef ds:uri="http://schemas.microsoft.com/office/2006/metadata/properties"/>
-    <ds:schemaRef ds:uri="http://schemas.microsoft.com/office/infopath/2007/PartnerControls"/>
-    <ds:schemaRef ds:uri="b4ebf394-daf6-497a-96c5-a2f8c10b38cf"/>
+    <ds:schemaRef ds:uri="http://schemas.microsoft.com/VisualStudio/2011/storyboarding/control"/>
   </ds:schemaRefs>
 </ds:datastoreItem>
 </file>
 
 <file path=customXml/itemProps6.xml><?xml version="1.0" encoding="utf-8"?>
-<ds:datastoreItem xmlns:ds="http://schemas.openxmlformats.org/officeDocument/2006/customXml" ds:itemID="{22271091-DDCE-44B5-B608-BB96BCA0C299}">
+<ds:datastoreItem xmlns:ds="http://schemas.openxmlformats.org/officeDocument/2006/customXml" ds:itemID="{195C3A57-25C5-4CAC-A396-8711CE839175}">
   <ds:schemaRefs>
     <ds:schemaRef ds:uri="http://schemas.microsoft.com/VisualStudio/2011/storyboarding/control"/>
   </ds:schemaRefs>
@@ -12013,7 +12005,7 @@
 </file>
 
 <file path=customXml/itemProps7.xml><?xml version="1.0" encoding="utf-8"?>
-<ds:datastoreItem xmlns:ds="http://schemas.openxmlformats.org/officeDocument/2006/customXml" ds:itemID="{195C3A57-25C5-4CAC-A396-8711CE839175}">
+<ds:datastoreItem xmlns:ds="http://schemas.openxmlformats.org/officeDocument/2006/customXml" ds:itemID="{35CD12A2-2187-402A-B9D9-EF68624DB0B9}">
   <ds:schemaRefs>
     <ds:schemaRef ds:uri="http://schemas.microsoft.com/VisualStudio/2011/storyboarding/control"/>
   </ds:schemaRefs>
